--- a/Lesson1/Database-1.pptx
+++ b/Lesson1/Database-1.pptx
@@ -13802,13 +13802,8 @@
           <a:p>
             <a:r>
               <a:rPr lang="en-US" b="1" dirty="0"/>
-              <a:t>Schema </a:t>
-            </a:r>
-            <a:r>
-              <a:rPr lang="en-US" b="1" dirty="0" err="1"/>
-              <a:t>HomePro</a:t>
-            </a:r>
-            <a:endParaRPr lang="en-US" b="1" dirty="0"/>
+              <a:t>Schema Bank</a:t>
+            </a:r>
           </a:p>
         </p:txBody>
       </p:sp>
